--- a/TM_CC/cockroach.pptx
+++ b/TM_CC/cockroach.pptx
@@ -6,14 +6,15 @@
   </p:sldMasterIdLst>
   <p:sldIdLst>
     <p:sldId id="257" r:id="rId2"/>
-    <p:sldId id="258" r:id="rId3"/>
-    <p:sldId id="262" r:id="rId4"/>
-    <p:sldId id="260" r:id="rId5"/>
-    <p:sldId id="261" r:id="rId6"/>
-    <p:sldId id="259" r:id="rId7"/>
+    <p:sldId id="261" r:id="rId3"/>
+    <p:sldId id="258" r:id="rId4"/>
+    <p:sldId id="262" r:id="rId5"/>
+    <p:sldId id="263" r:id="rId6"/>
+    <p:sldId id="260" r:id="rId7"/>
+    <p:sldId id="259" r:id="rId8"/>
   </p:sldIdLst>
   <p:sldSz cx="9144000" cy="6858000" type="screen4x3"/>
-  <p:notesSz cx="6858000" cy="9144000"/>
+  <p:notesSz cx="6797675" cy="9926638"/>
   <p:defaultTextStyle>
     <a:defPPr>
       <a:defRPr lang="en-US"/>
@@ -293,7 +294,7 @@
           <a:p>
             <a:fld id="{208093F4-DEAA-49F8-A3D7-5942B4538E79}" type="datetimeFigureOut">
               <a:rPr lang="en-US" smtClean="0"/>
-              <a:t>6/2/2015</a:t>
+              <a:t>6/3/2015</a:t>
             </a:fld>
             <a:endParaRPr lang="en-US"/>
           </a:p>
@@ -463,7 +464,7 @@
           <a:p>
             <a:fld id="{208093F4-DEAA-49F8-A3D7-5942B4538E79}" type="datetimeFigureOut">
               <a:rPr lang="en-US" smtClean="0"/>
-              <a:t>6/2/2015</a:t>
+              <a:t>6/3/2015</a:t>
             </a:fld>
             <a:endParaRPr lang="en-US"/>
           </a:p>
@@ -643,7 +644,7 @@
           <a:p>
             <a:fld id="{208093F4-DEAA-49F8-A3D7-5942B4538E79}" type="datetimeFigureOut">
               <a:rPr lang="en-US" smtClean="0"/>
-              <a:t>6/2/2015</a:t>
+              <a:t>6/3/2015</a:t>
             </a:fld>
             <a:endParaRPr lang="en-US"/>
           </a:p>
@@ -813,7 +814,7 @@
           <a:p>
             <a:fld id="{208093F4-DEAA-49F8-A3D7-5942B4538E79}" type="datetimeFigureOut">
               <a:rPr lang="en-US" smtClean="0"/>
-              <a:t>6/2/2015</a:t>
+              <a:t>6/3/2015</a:t>
             </a:fld>
             <a:endParaRPr lang="en-US"/>
           </a:p>
@@ -1059,7 +1060,7 @@
           <a:p>
             <a:fld id="{208093F4-DEAA-49F8-A3D7-5942B4538E79}" type="datetimeFigureOut">
               <a:rPr lang="en-US" smtClean="0"/>
-              <a:t>6/2/2015</a:t>
+              <a:t>6/3/2015</a:t>
             </a:fld>
             <a:endParaRPr lang="en-US"/>
           </a:p>
@@ -1347,7 +1348,7 @@
           <a:p>
             <a:fld id="{208093F4-DEAA-49F8-A3D7-5942B4538E79}" type="datetimeFigureOut">
               <a:rPr lang="en-US" smtClean="0"/>
-              <a:t>6/2/2015</a:t>
+              <a:t>6/3/2015</a:t>
             </a:fld>
             <a:endParaRPr lang="en-US"/>
           </a:p>
@@ -1769,7 +1770,7 @@
           <a:p>
             <a:fld id="{208093F4-DEAA-49F8-A3D7-5942B4538E79}" type="datetimeFigureOut">
               <a:rPr lang="en-US" smtClean="0"/>
-              <a:t>6/2/2015</a:t>
+              <a:t>6/3/2015</a:t>
             </a:fld>
             <a:endParaRPr lang="en-US"/>
           </a:p>
@@ -1887,7 +1888,7 @@
           <a:p>
             <a:fld id="{208093F4-DEAA-49F8-A3D7-5942B4538E79}" type="datetimeFigureOut">
               <a:rPr lang="en-US" smtClean="0"/>
-              <a:t>6/2/2015</a:t>
+              <a:t>6/3/2015</a:t>
             </a:fld>
             <a:endParaRPr lang="en-US"/>
           </a:p>
@@ -1982,7 +1983,7 @@
           <a:p>
             <a:fld id="{208093F4-DEAA-49F8-A3D7-5942B4538E79}" type="datetimeFigureOut">
               <a:rPr lang="en-US" smtClean="0"/>
-              <a:t>6/2/2015</a:t>
+              <a:t>6/3/2015</a:t>
             </a:fld>
             <a:endParaRPr lang="en-US"/>
           </a:p>
@@ -2259,7 +2260,7 @@
           <a:p>
             <a:fld id="{208093F4-DEAA-49F8-A3D7-5942B4538E79}" type="datetimeFigureOut">
               <a:rPr lang="en-US" smtClean="0"/>
-              <a:t>6/2/2015</a:t>
+              <a:t>6/3/2015</a:t>
             </a:fld>
             <a:endParaRPr lang="en-US"/>
           </a:p>
@@ -2512,7 +2513,7 @@
           <a:p>
             <a:fld id="{208093F4-DEAA-49F8-A3D7-5942B4538E79}" type="datetimeFigureOut">
               <a:rPr lang="en-US" smtClean="0"/>
-              <a:t>6/2/2015</a:t>
+              <a:t>6/3/2015</a:t>
             </a:fld>
             <a:endParaRPr lang="en-US"/>
           </a:p>
@@ -2725,7 +2726,7 @@
           <a:p>
             <a:fld id="{208093F4-DEAA-49F8-A3D7-5942B4538E79}" type="datetimeFigureOut">
               <a:rPr lang="en-US" smtClean="0"/>
-              <a:t>6/2/2015</a:t>
+              <a:t>6/3/2015</a:t>
             </a:fld>
             <a:endParaRPr lang="en-US"/>
           </a:p>
@@ -3143,11 +3144,82 @@
         </p:blipFill>
         <p:spPr>
           <a:xfrm>
-            <a:off x="914400" y="457200"/>
-            <a:ext cx="7086600" cy="5907216"/>
+            <a:off x="2209800" y="457200"/>
+            <a:ext cx="4662085" cy="3886200"/>
           </a:xfrm>
         </p:spPr>
       </p:pic>
+      <p:sp>
+        <p:nvSpPr>
+          <p:cNvPr id="5" name="Rectangle 4"/>
+          <p:cNvSpPr/>
+          <p:nvPr/>
+        </p:nvSpPr>
+        <p:spPr>
+          <a:xfrm>
+            <a:off x="1828800" y="4800600"/>
+            <a:ext cx="5638800" cy="1569660"/>
+          </a:xfrm>
+          <a:prstGeom prst="rect">
+            <a:avLst/>
+          </a:prstGeom>
+          <a:noFill/>
+        </p:spPr>
+        <p:txBody>
+          <a:bodyPr wrap="square" lIns="91440" tIns="45720" rIns="91440" bIns="45720">
+            <a:spAutoFit/>
+          </a:bodyPr>
+          <a:lstStyle/>
+          <a:p>
+            <a:pPr algn="ctr"/>
+            <a:r>
+              <a:rPr lang="en-US" sz="9600" b="1" dirty="0" smtClean="0">
+                <a:ln w="18000">
+                  <a:solidFill>
+                    <a:schemeClr val="accent2">
+                      <a:satMod val="140000"/>
+                    </a:schemeClr>
+                  </a:solidFill>
+                  <a:prstDash val="solid"/>
+                  <a:miter lim="800000"/>
+                </a:ln>
+                <a:solidFill>
+                  <a:srgbClr val="FF0000"/>
+                </a:solidFill>
+                <a:effectLst>
+                  <a:outerShdw blurRad="25500" dist="23000" dir="7020000" algn="tl">
+                    <a:srgbClr val="000000">
+                      <a:alpha val="50000"/>
+                    </a:srgbClr>
+                  </a:outerShdw>
+                </a:effectLst>
+              </a:rPr>
+              <a:t>Cockroach</a:t>
+            </a:r>
+            <a:endParaRPr lang="en-US" sz="9600" b="1" dirty="0">
+              <a:ln w="18000">
+                <a:solidFill>
+                  <a:schemeClr val="accent2">
+                    <a:satMod val="140000"/>
+                  </a:schemeClr>
+                </a:solidFill>
+                <a:prstDash val="solid"/>
+                <a:miter lim="800000"/>
+              </a:ln>
+              <a:solidFill>
+                <a:srgbClr val="FF0000"/>
+              </a:solidFill>
+              <a:effectLst>
+                <a:outerShdw blurRad="25500" dist="23000" dir="7020000" algn="tl">
+                  <a:srgbClr val="000000">
+                    <a:alpha val="50000"/>
+                  </a:srgbClr>
+                </a:outerShdw>
+              </a:effectLst>
+            </a:endParaRPr>
+          </a:p>
+        </p:txBody>
+      </p:sp>
     </p:spTree>
     <p:extLst>
       <p:ext uri="{BB962C8B-B14F-4D97-AF65-F5344CB8AC3E}">
@@ -3228,6 +3300,162 @@
         </p:blipFill>
         <p:spPr>
           <a:xfrm>
+            <a:off x="457200" y="609600"/>
+            <a:ext cx="8229600" cy="4164177"/>
+          </a:xfrm>
+        </p:spPr>
+      </p:pic>
+      <p:sp>
+        <p:nvSpPr>
+          <p:cNvPr id="5" name="Rectangle 4"/>
+          <p:cNvSpPr/>
+          <p:nvPr/>
+        </p:nvSpPr>
+        <p:spPr>
+          <a:xfrm>
+            <a:off x="1001151" y="5257800"/>
+            <a:ext cx="7141699" cy="923330"/>
+          </a:xfrm>
+          <a:prstGeom prst="rect">
+            <a:avLst/>
+          </a:prstGeom>
+          <a:noFill/>
+        </p:spPr>
+        <p:txBody>
+          <a:bodyPr wrap="none" lIns="91440" tIns="45720" rIns="91440" bIns="45720">
+            <a:spAutoFit/>
+          </a:bodyPr>
+          <a:lstStyle/>
+          <a:p>
+            <a:pPr algn="ctr"/>
+            <a:r>
+              <a:rPr lang="zh-CN" altLang="en-US" sz="5400" b="1" cap="none" spc="0" dirty="0" smtClean="0">
+                <a:ln w="18000">
+                  <a:solidFill>
+                    <a:schemeClr val="accent2">
+                      <a:satMod val="140000"/>
+                    </a:schemeClr>
+                  </a:solidFill>
+                  <a:prstDash val="solid"/>
+                  <a:miter lim="800000"/>
+                </a:ln>
+                <a:solidFill>
+                  <a:srgbClr val="FF0000"/>
+                </a:solidFill>
+                <a:effectLst>
+                  <a:outerShdw blurRad="25500" dist="23000" dir="7020000" algn="tl">
+                    <a:srgbClr val="000000">
+                      <a:alpha val="50000"/>
+                    </a:srgbClr>
+                  </a:outerShdw>
+                </a:effectLst>
+              </a:rPr>
+              <a:t>唐伯虎点秋香之哭小强</a:t>
+            </a:r>
+            <a:endParaRPr lang="en-US" sz="5400" b="1" cap="none" spc="0" dirty="0">
+              <a:ln w="18000">
+                <a:solidFill>
+                  <a:schemeClr val="accent2">
+                    <a:satMod val="140000"/>
+                  </a:schemeClr>
+                </a:solidFill>
+                <a:prstDash val="solid"/>
+                <a:miter lim="800000"/>
+              </a:ln>
+              <a:solidFill>
+                <a:srgbClr val="FF0000"/>
+              </a:solidFill>
+              <a:effectLst>
+                <a:outerShdw blurRad="25500" dist="23000" dir="7020000" algn="tl">
+                  <a:srgbClr val="000000">
+                    <a:alpha val="50000"/>
+                  </a:srgbClr>
+                </a:outerShdw>
+              </a:effectLst>
+            </a:endParaRPr>
+          </a:p>
+        </p:txBody>
+      </p:sp>
+    </p:spTree>
+    <p:extLst>
+      <p:ext uri="{BB962C8B-B14F-4D97-AF65-F5344CB8AC3E}">
+        <p14:creationId xmlns:p14="http://schemas.microsoft.com/office/powerpoint/2010/main" val="1484198131"/>
+      </p:ext>
+    </p:extLst>
+  </p:cSld>
+  <p:clrMapOvr>
+    <a:masterClrMapping/>
+  </p:clrMapOvr>
+  <p:timing>
+    <p:tnLst>
+      <p:par>
+        <p:cTn id="1" dur="indefinite" restart="never" nodeType="tmRoot"/>
+      </p:par>
+    </p:tnLst>
+  </p:timing>
+</p:sld>
+</file>
+
+<file path=ppt/slides/slide3.xml><?xml version="1.0" encoding="utf-8"?>
+<p:sld xmlns:a="http://schemas.openxmlformats.org/drawingml/2006/main" xmlns:r="http://schemas.openxmlformats.org/officeDocument/2006/relationships" xmlns:p="http://schemas.openxmlformats.org/presentationml/2006/main">
+  <p:cSld>
+    <p:spTree>
+      <p:nvGrpSpPr>
+        <p:cNvPr id="1" name=""/>
+        <p:cNvGrpSpPr/>
+        <p:nvPr/>
+      </p:nvGrpSpPr>
+      <p:grpSpPr>
+        <a:xfrm>
+          <a:off x="0" y="0"/>
+          <a:ext cx="0" cy="0"/>
+          <a:chOff x="0" y="0"/>
+          <a:chExt cx="0" cy="0"/>
+        </a:xfrm>
+      </p:grpSpPr>
+      <p:sp>
+        <p:nvSpPr>
+          <p:cNvPr id="2" name="Title 1"/>
+          <p:cNvSpPr>
+            <a:spLocks noGrp="1"/>
+          </p:cNvSpPr>
+          <p:nvPr>
+            <p:ph type="title"/>
+          </p:nvPr>
+        </p:nvSpPr>
+        <p:spPr/>
+        <p:txBody>
+          <a:bodyPr/>
+          <a:lstStyle/>
+          <a:p>
+            <a:endParaRPr lang="en-US"/>
+          </a:p>
+        </p:txBody>
+      </p:sp>
+      <p:pic>
+        <p:nvPicPr>
+          <p:cNvPr id="4" name="Content Placeholder 3"/>
+          <p:cNvPicPr>
+            <a:picLocks noGrp="1" noChangeAspect="1"/>
+          </p:cNvPicPr>
+          <p:nvPr>
+            <p:ph idx="1"/>
+          </p:nvPr>
+        </p:nvPicPr>
+        <p:blipFill>
+          <a:blip r:embed="rId2">
+            <a:extLst>
+              <a:ext uri="{28A0092B-C50C-407E-A947-70E740481C1C}">
+                <a14:useLocalDpi xmlns:a14="http://schemas.microsoft.com/office/drawing/2010/main" val="0"/>
+              </a:ext>
+            </a:extLst>
+          </a:blip>
+          <a:stretch>
+            <a:fillRect/>
+          </a:stretch>
+        </p:blipFill>
+        <p:spPr>
+          <a:xfrm>
             <a:off x="2187525" y="152400"/>
             <a:ext cx="5183139" cy="4495800"/>
           </a:xfrm>
@@ -3321,7 +3549,7 @@
 </p:sld>
 </file>
 
-<file path=ppt/slides/slide3.xml><?xml version="1.0" encoding="utf-8"?>
+<file path=ppt/slides/slide4.xml><?xml version="1.0" encoding="utf-8"?>
 <p:sld xmlns:a="http://schemas.openxmlformats.org/drawingml/2006/main" xmlns:r="http://schemas.openxmlformats.org/officeDocument/2006/relationships" xmlns:p="http://schemas.openxmlformats.org/presentationml/2006/main">
   <p:cSld>
     <p:spTree>
@@ -3721,7 +3949,255 @@
 </p:sld>
 </file>
 
-<file path=ppt/slides/slide4.xml><?xml version="1.0" encoding="utf-8"?>
+<file path=ppt/slides/slide5.xml><?xml version="1.0" encoding="utf-8"?>
+<p:sld xmlns:a="http://schemas.openxmlformats.org/drawingml/2006/main" xmlns:r="http://schemas.openxmlformats.org/officeDocument/2006/relationships" xmlns:p="http://schemas.openxmlformats.org/presentationml/2006/main">
+  <p:cSld>
+    <p:spTree>
+      <p:nvGrpSpPr>
+        <p:cNvPr id="1" name=""/>
+        <p:cNvGrpSpPr/>
+        <p:nvPr/>
+      </p:nvGrpSpPr>
+      <p:grpSpPr>
+        <a:xfrm>
+          <a:off x="0" y="0"/>
+          <a:ext cx="0" cy="0"/>
+          <a:chOff x="0" y="0"/>
+          <a:chExt cx="0" cy="0"/>
+        </a:xfrm>
+      </p:grpSpPr>
+      <p:sp>
+        <p:nvSpPr>
+          <p:cNvPr id="2" name="Title 1"/>
+          <p:cNvSpPr>
+            <a:spLocks noGrp="1"/>
+          </p:cNvSpPr>
+          <p:nvPr>
+            <p:ph type="title"/>
+          </p:nvPr>
+        </p:nvSpPr>
+        <p:spPr/>
+        <p:txBody>
+          <a:bodyPr/>
+          <a:lstStyle/>
+          <a:p>
+            <a:endParaRPr lang="en-US"/>
+          </a:p>
+        </p:txBody>
+      </p:sp>
+      <p:pic>
+        <p:nvPicPr>
+          <p:cNvPr id="4" name="Content Placeholder 3"/>
+          <p:cNvPicPr>
+            <a:picLocks noGrp="1" noChangeAspect="1"/>
+          </p:cNvPicPr>
+          <p:nvPr>
+            <p:ph idx="1"/>
+          </p:nvPr>
+        </p:nvPicPr>
+        <p:blipFill>
+          <a:blip r:embed="rId2" cstate="print">
+            <a:extLst>
+              <a:ext uri="{28A0092B-C50C-407E-A947-70E740481C1C}">
+                <a14:useLocalDpi xmlns:a14="http://schemas.microsoft.com/office/drawing/2010/main" val="0"/>
+              </a:ext>
+            </a:extLst>
+          </a:blip>
+          <a:stretch>
+            <a:fillRect/>
+          </a:stretch>
+        </p:blipFill>
+        <p:spPr>
+          <a:xfrm>
+            <a:off x="2209800" y="457200"/>
+            <a:ext cx="4662085" cy="3886200"/>
+          </a:xfrm>
+        </p:spPr>
+      </p:pic>
+      <p:sp>
+        <p:nvSpPr>
+          <p:cNvPr id="5" name="Rectangle 4"/>
+          <p:cNvSpPr/>
+          <p:nvPr/>
+        </p:nvSpPr>
+        <p:spPr>
+          <a:xfrm>
+            <a:off x="381000" y="4800600"/>
+            <a:ext cx="8534400" cy="1569660"/>
+          </a:xfrm>
+          <a:prstGeom prst="rect">
+            <a:avLst/>
+          </a:prstGeom>
+          <a:noFill/>
+        </p:spPr>
+        <p:txBody>
+          <a:bodyPr wrap="square" lIns="91440" tIns="45720" rIns="91440" bIns="45720">
+            <a:spAutoFit/>
+          </a:bodyPr>
+          <a:lstStyle/>
+          <a:p>
+            <a:pPr algn="ctr"/>
+            <a:r>
+              <a:rPr lang="en-US" sz="4800" b="1" dirty="0" smtClean="0">
+                <a:ln w="18000">
+                  <a:solidFill>
+                    <a:schemeClr val="accent2">
+                      <a:satMod val="140000"/>
+                    </a:schemeClr>
+                  </a:solidFill>
+                  <a:prstDash val="solid"/>
+                  <a:miter lim="800000"/>
+                </a:ln>
+                <a:solidFill>
+                  <a:srgbClr val="FF0000"/>
+                </a:solidFill>
+                <a:effectLst>
+                  <a:outerShdw blurRad="25500" dist="23000" dir="7020000" algn="tl">
+                    <a:srgbClr val="000000">
+                      <a:alpha val="50000"/>
+                    </a:srgbClr>
+                  </a:outerShdw>
+                </a:effectLst>
+              </a:rPr>
+              <a:t>Cockroach King</a:t>
+            </a:r>
+          </a:p>
+          <a:p>
+            <a:pPr algn="ctr"/>
+            <a:r>
+              <a:rPr lang="en-US" sz="4800" b="1" dirty="0" err="1" smtClean="0">
+                <a:ln w="18000">
+                  <a:solidFill>
+                    <a:schemeClr val="accent2">
+                      <a:satMod val="140000"/>
+                    </a:schemeClr>
+                  </a:solidFill>
+                  <a:prstDash val="solid"/>
+                  <a:miter lim="800000"/>
+                </a:ln>
+                <a:solidFill>
+                  <a:srgbClr val="FF0000"/>
+                </a:solidFill>
+                <a:effectLst>
+                  <a:outerShdw blurRad="25500" dist="23000" dir="7020000" algn="tl">
+                    <a:srgbClr val="000000">
+                      <a:alpha val="50000"/>
+                    </a:srgbClr>
+                  </a:outerShdw>
+                </a:effectLst>
+              </a:rPr>
+              <a:t>George.Edward.William</a:t>
+            </a:r>
+            <a:r>
+              <a:rPr lang="en-US" sz="4800" b="1" dirty="0" smtClean="0">
+                <a:ln w="18000">
+                  <a:solidFill>
+                    <a:schemeClr val="accent2">
+                      <a:satMod val="140000"/>
+                    </a:schemeClr>
+                  </a:solidFill>
+                  <a:prstDash val="solid"/>
+                  <a:miter lim="800000"/>
+                </a:ln>
+                <a:solidFill>
+                  <a:srgbClr val="FF0000"/>
+                </a:solidFill>
+                <a:effectLst>
+                  <a:outerShdw blurRad="25500" dist="23000" dir="7020000" algn="tl">
+                    <a:srgbClr val="000000">
+                      <a:alpha val="50000"/>
+                    </a:srgbClr>
+                  </a:outerShdw>
+                </a:effectLst>
+              </a:rPr>
+              <a:t> VI</a:t>
+            </a:r>
+            <a:endParaRPr lang="en-US" sz="4800" b="1" dirty="0">
+              <a:ln w="18000">
+                <a:solidFill>
+                  <a:schemeClr val="accent2">
+                    <a:satMod val="140000"/>
+                  </a:schemeClr>
+                </a:solidFill>
+                <a:prstDash val="solid"/>
+                <a:miter lim="800000"/>
+              </a:ln>
+              <a:solidFill>
+                <a:srgbClr val="FF0000"/>
+              </a:solidFill>
+              <a:effectLst>
+                <a:outerShdw blurRad="25500" dist="23000" dir="7020000" algn="tl">
+                  <a:srgbClr val="000000">
+                    <a:alpha val="50000"/>
+                  </a:srgbClr>
+                </a:outerShdw>
+              </a:effectLst>
+            </a:endParaRPr>
+          </a:p>
+        </p:txBody>
+      </p:sp>
+      <p:pic>
+        <p:nvPicPr>
+          <p:cNvPr id="1027" name="Picture 3" descr="C:\Users\den57094\AppData\Local\Microsoft\Windows\Temporary Internet Files\Content.IE5\E2U6USBI\crown[1].gif"/>
+          <p:cNvPicPr>
+            <a:picLocks noChangeAspect="1" noChangeArrowheads="1"/>
+          </p:cNvPicPr>
+          <p:nvPr/>
+        </p:nvPicPr>
+        <p:blipFill>
+          <a:blip r:embed="rId3">
+            <a:extLst>
+              <a:ext uri="{28A0092B-C50C-407E-A947-70E740481C1C}">
+                <a14:useLocalDpi xmlns:a14="http://schemas.microsoft.com/office/drawing/2010/main" val="0"/>
+              </a:ext>
+            </a:extLst>
+          </a:blip>
+          <a:srcRect/>
+          <a:stretch>
+            <a:fillRect/>
+          </a:stretch>
+        </p:blipFill>
+        <p:spPr bwMode="auto">
+          <a:xfrm>
+            <a:off x="4953000" y="1524000"/>
+            <a:ext cx="1190625" cy="733425"/>
+          </a:xfrm>
+          <a:prstGeom prst="rect">
+            <a:avLst/>
+          </a:prstGeom>
+          <a:noFill/>
+          <a:extLst>
+            <a:ext uri="{909E8E84-426E-40DD-AFC4-6F175D3DCCD1}">
+              <a14:hiddenFill xmlns:a14="http://schemas.microsoft.com/office/drawing/2010/main">
+                <a:solidFill>
+                  <a:srgbClr val="FFFFFF"/>
+                </a:solidFill>
+              </a14:hiddenFill>
+            </a:ext>
+          </a:extLst>
+        </p:spPr>
+      </p:pic>
+    </p:spTree>
+    <p:extLst>
+      <p:ext uri="{BB962C8B-B14F-4D97-AF65-F5344CB8AC3E}">
+        <p14:creationId xmlns:p14="http://schemas.microsoft.com/office/powerpoint/2010/main" val="2769565846"/>
+      </p:ext>
+    </p:extLst>
+  </p:cSld>
+  <p:clrMapOvr>
+    <a:masterClrMapping/>
+  </p:clrMapOvr>
+  <p:timing>
+    <p:tnLst>
+      <p:par>
+        <p:cTn id="1" dur="indefinite" restart="never" nodeType="tmRoot"/>
+      </p:par>
+    </p:tnLst>
+  </p:timing>
+</p:sld>
+</file>
+
+<file path=ppt/slides/slide6.xml><?xml version="1.0" encoding="utf-8"?>
 <p:sld xmlns:a="http://schemas.openxmlformats.org/drawingml/2006/main" xmlns:r="http://schemas.openxmlformats.org/officeDocument/2006/relationships" xmlns:p="http://schemas.openxmlformats.org/presentationml/2006/main">
   <p:cSld>
     <p:spTree>
@@ -3891,163 +4367,7 @@
 </p:sld>
 </file>
 
-<file path=ppt/slides/slide5.xml><?xml version="1.0" encoding="utf-8"?>
-<p:sld xmlns:a="http://schemas.openxmlformats.org/drawingml/2006/main" xmlns:r="http://schemas.openxmlformats.org/officeDocument/2006/relationships" xmlns:p="http://schemas.openxmlformats.org/presentationml/2006/main">
-  <p:cSld>
-    <p:spTree>
-      <p:nvGrpSpPr>
-        <p:cNvPr id="1" name=""/>
-        <p:cNvGrpSpPr/>
-        <p:nvPr/>
-      </p:nvGrpSpPr>
-      <p:grpSpPr>
-        <a:xfrm>
-          <a:off x="0" y="0"/>
-          <a:ext cx="0" cy="0"/>
-          <a:chOff x="0" y="0"/>
-          <a:chExt cx="0" cy="0"/>
-        </a:xfrm>
-      </p:grpSpPr>
-      <p:sp>
-        <p:nvSpPr>
-          <p:cNvPr id="2" name="Title 1"/>
-          <p:cNvSpPr>
-            <a:spLocks noGrp="1"/>
-          </p:cNvSpPr>
-          <p:nvPr>
-            <p:ph type="title"/>
-          </p:nvPr>
-        </p:nvSpPr>
-        <p:spPr/>
-        <p:txBody>
-          <a:bodyPr/>
-          <a:lstStyle/>
-          <a:p>
-            <a:endParaRPr lang="en-US"/>
-          </a:p>
-        </p:txBody>
-      </p:sp>
-      <p:pic>
-        <p:nvPicPr>
-          <p:cNvPr id="4" name="Content Placeholder 3"/>
-          <p:cNvPicPr>
-            <a:picLocks noGrp="1" noChangeAspect="1"/>
-          </p:cNvPicPr>
-          <p:nvPr>
-            <p:ph idx="1"/>
-          </p:nvPr>
-        </p:nvPicPr>
-        <p:blipFill>
-          <a:blip r:embed="rId2">
-            <a:extLst>
-              <a:ext uri="{28A0092B-C50C-407E-A947-70E740481C1C}">
-                <a14:useLocalDpi xmlns:a14="http://schemas.microsoft.com/office/drawing/2010/main" val="0"/>
-              </a:ext>
-            </a:extLst>
-          </a:blip>
-          <a:stretch>
-            <a:fillRect/>
-          </a:stretch>
-        </p:blipFill>
-        <p:spPr>
-          <a:xfrm>
-            <a:off x="457200" y="609600"/>
-            <a:ext cx="8229600" cy="4164177"/>
-          </a:xfrm>
-        </p:spPr>
-      </p:pic>
-      <p:sp>
-        <p:nvSpPr>
-          <p:cNvPr id="5" name="Rectangle 4"/>
-          <p:cNvSpPr/>
-          <p:nvPr/>
-        </p:nvSpPr>
-        <p:spPr>
-          <a:xfrm>
-            <a:off x="1001151" y="5257800"/>
-            <a:ext cx="7141699" cy="923330"/>
-          </a:xfrm>
-          <a:prstGeom prst="rect">
-            <a:avLst/>
-          </a:prstGeom>
-          <a:noFill/>
-        </p:spPr>
-        <p:txBody>
-          <a:bodyPr wrap="none" lIns="91440" tIns="45720" rIns="91440" bIns="45720">
-            <a:spAutoFit/>
-          </a:bodyPr>
-          <a:lstStyle/>
-          <a:p>
-            <a:pPr algn="ctr"/>
-            <a:r>
-              <a:rPr lang="zh-CN" altLang="en-US" sz="5400" b="1" cap="none" spc="0" dirty="0" smtClean="0">
-                <a:ln w="18000">
-                  <a:solidFill>
-                    <a:schemeClr val="accent2">
-                      <a:satMod val="140000"/>
-                    </a:schemeClr>
-                  </a:solidFill>
-                  <a:prstDash val="solid"/>
-                  <a:miter lim="800000"/>
-                </a:ln>
-                <a:solidFill>
-                  <a:srgbClr val="FF0000"/>
-                </a:solidFill>
-                <a:effectLst>
-                  <a:outerShdw blurRad="25500" dist="23000" dir="7020000" algn="tl">
-                    <a:srgbClr val="000000">
-                      <a:alpha val="50000"/>
-                    </a:srgbClr>
-                  </a:outerShdw>
-                </a:effectLst>
-              </a:rPr>
-              <a:t>唐伯虎点秋香之哭小强</a:t>
-            </a:r>
-            <a:endParaRPr lang="en-US" sz="5400" b="1" cap="none" spc="0" dirty="0">
-              <a:ln w="18000">
-                <a:solidFill>
-                  <a:schemeClr val="accent2">
-                    <a:satMod val="140000"/>
-                  </a:schemeClr>
-                </a:solidFill>
-                <a:prstDash val="solid"/>
-                <a:miter lim="800000"/>
-              </a:ln>
-              <a:solidFill>
-                <a:srgbClr val="FF0000"/>
-              </a:solidFill>
-              <a:effectLst>
-                <a:outerShdw blurRad="25500" dist="23000" dir="7020000" algn="tl">
-                  <a:srgbClr val="000000">
-                    <a:alpha val="50000"/>
-                  </a:srgbClr>
-                </a:outerShdw>
-              </a:effectLst>
-            </a:endParaRPr>
-          </a:p>
-        </p:txBody>
-      </p:sp>
-    </p:spTree>
-    <p:extLst>
-      <p:ext uri="{BB962C8B-B14F-4D97-AF65-F5344CB8AC3E}">
-        <p14:creationId xmlns:p14="http://schemas.microsoft.com/office/powerpoint/2010/main" val="1484198131"/>
-      </p:ext>
-    </p:extLst>
-  </p:cSld>
-  <p:clrMapOvr>
-    <a:masterClrMapping/>
-  </p:clrMapOvr>
-  <p:timing>
-    <p:tnLst>
-      <p:par>
-        <p:cTn id="1" dur="indefinite" restart="never" nodeType="tmRoot"/>
-      </p:par>
-    </p:tnLst>
-  </p:timing>
-</p:sld>
-</file>
-
-<file path=ppt/slides/slide6.xml><?xml version="1.0" encoding="utf-8"?>
+<file path=ppt/slides/slide7.xml><?xml version="1.0" encoding="utf-8"?>
 <p:sld xmlns:a="http://schemas.openxmlformats.org/drawingml/2006/main" xmlns:r="http://schemas.openxmlformats.org/officeDocument/2006/relationships" xmlns:p="http://schemas.openxmlformats.org/presentationml/2006/main">
   <p:cSld>
     <p:spTree>
